--- a/class-notes/cs321-winter-2023-lecture-13-midterm-review.pptx
+++ b/class-notes/cs321-winter-2023-lecture-13-midterm-review.pptx
@@ -5,27 +5,45 @@
     <p:sldMasterId id="2147484010" r:id="rId1"/>
   </p:sldMasterIdLst>
   <p:notesMasterIdLst>
-    <p:notesMasterId r:id="rId3"/>
+    <p:notesMasterId r:id="rId21"/>
   </p:notesMasterIdLst>
   <p:sldIdLst>
     <p:sldId id="449" r:id="rId2"/>
+    <p:sldId id="450" r:id="rId3"/>
+    <p:sldId id="459" r:id="rId4"/>
+    <p:sldId id="460" r:id="rId5"/>
+    <p:sldId id="461" r:id="rId6"/>
+    <p:sldId id="462" r:id="rId7"/>
+    <p:sldId id="456" r:id="rId8"/>
+    <p:sldId id="464" r:id="rId9"/>
+    <p:sldId id="463" r:id="rId10"/>
+    <p:sldId id="465" r:id="rId11"/>
+    <p:sldId id="466" r:id="rId12"/>
+    <p:sldId id="467" r:id="rId13"/>
+    <p:sldId id="451" r:id="rId14"/>
+    <p:sldId id="455" r:id="rId15"/>
+    <p:sldId id="452" r:id="rId16"/>
+    <p:sldId id="453" r:id="rId17"/>
+    <p:sldId id="454" r:id="rId18"/>
+    <p:sldId id="457" r:id="rId19"/>
+    <p:sldId id="458" r:id="rId20"/>
   </p:sldIdLst>
   <p:sldSz cx="18288000" cy="10287000"/>
   <p:notesSz cx="18288000" cy="10287000"/>
   <p:embeddedFontLst>
     <p:embeddedFont>
       <p:font typeface="Calibri" panose="020F0502020204030204" pitchFamily="34" charset="0"/>
-      <p:regular r:id="rId4"/>
-      <p:bold r:id="rId5"/>
-      <p:italic r:id="rId6"/>
-      <p:boldItalic r:id="rId7"/>
+      <p:regular r:id="rId22"/>
+      <p:bold r:id="rId23"/>
+      <p:italic r:id="rId24"/>
+      <p:boldItalic r:id="rId25"/>
     </p:embeddedFont>
     <p:embeddedFont>
       <p:font typeface="Corbel" panose="020B0503020204020204" pitchFamily="34" charset="0"/>
-      <p:regular r:id="rId8"/>
-      <p:bold r:id="rId9"/>
-      <p:italic r:id="rId10"/>
-      <p:boldItalic r:id="rId11"/>
+      <p:regular r:id="rId26"/>
+      <p:bold r:id="rId27"/>
+      <p:italic r:id="rId28"/>
+      <p:boldItalic r:id="rId29"/>
     </p:embeddedFont>
   </p:embeddedFontLst>
   <p:defaultTextStyle>
@@ -3769,10 +3787,9 @@
           <a:lstStyle/>
           <a:p>
             <a:r>
-              <a:rPr lang="en-CA"/>
-              <a:t>Template</a:t>
-            </a:r>
-            <a:endParaRPr lang="en-CA" dirty="0"/>
+              <a:rPr lang="en-CA" dirty="0"/>
+              <a:t>Midterm</a:t>
+            </a:r>
           </a:p>
         </p:txBody>
       </p:sp>
@@ -3797,7 +3814,10 @@
           <a:bodyPr/>
           <a:lstStyle/>
           <a:p>
-            <a:endParaRPr lang="en-CA"/>
+            <a:r>
+              <a:rPr lang="en-CA" dirty="0"/>
+              <a:t>Review</a:t>
+            </a:r>
           </a:p>
         </p:txBody>
       </p:sp>
@@ -3805,6 +3825,1816 @@
     <p:extLst>
       <p:ext uri="{BB962C8B-B14F-4D97-AF65-F5344CB8AC3E}">
         <p14:creationId xmlns:p14="http://schemas.microsoft.com/office/powerpoint/2010/main" val="3434089016"/>
+      </p:ext>
+    </p:extLst>
+  </p:cSld>
+  <p:clrMapOvr>
+    <a:masterClrMapping/>
+  </p:clrMapOvr>
+</p:sld>
+</file>
+
+<file path=ppt/slides/slide10.xml><?xml version="1.0" encoding="utf-8"?>
+<p:sld xmlns:a="http://schemas.openxmlformats.org/drawingml/2006/main" xmlns:r="http://schemas.openxmlformats.org/officeDocument/2006/relationships" xmlns:p="http://schemas.openxmlformats.org/presentationml/2006/main">
+  <p:cSld>
+    <p:spTree>
+      <p:nvGrpSpPr>
+        <p:cNvPr id="1" name=""/>
+        <p:cNvGrpSpPr/>
+        <p:nvPr/>
+      </p:nvGrpSpPr>
+      <p:grpSpPr>
+        <a:xfrm>
+          <a:off x="0" y="0"/>
+          <a:ext cx="0" cy="0"/>
+          <a:chOff x="0" y="0"/>
+          <a:chExt cx="0" cy="0"/>
+        </a:xfrm>
+      </p:grpSpPr>
+      <p:sp>
+        <p:nvSpPr>
+          <p:cNvPr id="2" name="Title 1">
+            <a:extLst>
+              <a:ext uri="{FF2B5EF4-FFF2-40B4-BE49-F238E27FC236}">
+                <a16:creationId xmlns:a16="http://schemas.microsoft.com/office/drawing/2014/main" id="{08A6E15A-AAC4-AB7C-8D17-6FD7E2CC9238}"/>
+              </a:ext>
+            </a:extLst>
+          </p:cNvPr>
+          <p:cNvSpPr>
+            <a:spLocks noGrp="1"/>
+          </p:cNvSpPr>
+          <p:nvPr>
+            <p:ph type="title"/>
+          </p:nvPr>
+        </p:nvSpPr>
+        <p:spPr/>
+        <p:txBody>
+          <a:bodyPr/>
+          <a:lstStyle/>
+          <a:p>
+            <a:r>
+              <a:rPr lang="en-CA" dirty="0"/>
+              <a:t>Public fields</a:t>
+            </a:r>
+            <a:br>
+              <a:rPr lang="en-CA" dirty="0"/>
+            </a:br>
+            <a:r>
+              <a:rPr lang="en-CA" sz="4800" dirty="0"/>
+              <a:t>(any field may be initialized in declaration)</a:t>
+            </a:r>
+            <a:endParaRPr lang="en-CA" dirty="0"/>
+          </a:p>
+        </p:txBody>
+      </p:sp>
+      <p:pic>
+        <p:nvPicPr>
+          <p:cNvPr id="5" name="Content Placeholder 4">
+            <a:extLst>
+              <a:ext uri="{FF2B5EF4-FFF2-40B4-BE49-F238E27FC236}">
+                <a16:creationId xmlns:a16="http://schemas.microsoft.com/office/drawing/2014/main" id="{8F77EA4E-ADB4-ED33-9B66-8033CA25F59F}"/>
+              </a:ext>
+            </a:extLst>
+          </p:cNvPr>
+          <p:cNvPicPr>
+            <a:picLocks noGrp="1" noChangeAspect="1"/>
+          </p:cNvPicPr>
+          <p:nvPr>
+            <p:ph idx="1"/>
+          </p:nvPr>
+        </p:nvPicPr>
+        <p:blipFill>
+          <a:blip r:embed="rId2"/>
+          <a:stretch>
+            <a:fillRect/>
+          </a:stretch>
+        </p:blipFill>
+        <p:spPr>
+          <a:xfrm>
+            <a:off x="2895600" y="5037035"/>
+            <a:ext cx="11967304" cy="1905000"/>
+          </a:xfrm>
+        </p:spPr>
+      </p:pic>
+    </p:spTree>
+    <p:extLst>
+      <p:ext uri="{BB962C8B-B14F-4D97-AF65-F5344CB8AC3E}">
+        <p14:creationId xmlns:p14="http://schemas.microsoft.com/office/powerpoint/2010/main" val="4294760353"/>
+      </p:ext>
+    </p:extLst>
+  </p:cSld>
+  <p:clrMapOvr>
+    <a:masterClrMapping/>
+  </p:clrMapOvr>
+</p:sld>
+</file>
+
+<file path=ppt/slides/slide11.xml><?xml version="1.0" encoding="utf-8"?>
+<p:sld xmlns:a="http://schemas.openxmlformats.org/drawingml/2006/main" xmlns:r="http://schemas.openxmlformats.org/officeDocument/2006/relationships" xmlns:p="http://schemas.openxmlformats.org/presentationml/2006/main">
+  <p:cSld>
+    <p:spTree>
+      <p:nvGrpSpPr>
+        <p:cNvPr id="1" name=""/>
+        <p:cNvGrpSpPr/>
+        <p:nvPr/>
+      </p:nvGrpSpPr>
+      <p:grpSpPr>
+        <a:xfrm>
+          <a:off x="0" y="0"/>
+          <a:ext cx="0" cy="0"/>
+          <a:chOff x="0" y="0"/>
+          <a:chExt cx="0" cy="0"/>
+        </a:xfrm>
+      </p:grpSpPr>
+      <p:sp>
+        <p:nvSpPr>
+          <p:cNvPr id="2" name="Title 1">
+            <a:extLst>
+              <a:ext uri="{FF2B5EF4-FFF2-40B4-BE49-F238E27FC236}">
+                <a16:creationId xmlns:a16="http://schemas.microsoft.com/office/drawing/2014/main" id="{6F05A356-6DA8-758B-7EC9-B9D34BF69436}"/>
+              </a:ext>
+            </a:extLst>
+          </p:cNvPr>
+          <p:cNvSpPr>
+            <a:spLocks noGrp="1"/>
+          </p:cNvSpPr>
+          <p:nvPr>
+            <p:ph type="title"/>
+          </p:nvPr>
+        </p:nvSpPr>
+        <p:spPr/>
+        <p:txBody>
+          <a:bodyPr/>
+          <a:lstStyle/>
+          <a:p>
+            <a:r>
+              <a:rPr lang="en-CA" dirty="0"/>
+              <a:t>These are Properties </a:t>
+            </a:r>
+            <a:br>
+              <a:rPr lang="en-CA" dirty="0"/>
+            </a:br>
+            <a:r>
+              <a:rPr lang="en-CA" sz="5400" dirty="0"/>
+              <a:t>(with auto-generated backing fields)</a:t>
+            </a:r>
+            <a:endParaRPr lang="en-CA" dirty="0"/>
+          </a:p>
+        </p:txBody>
+      </p:sp>
+      <p:pic>
+        <p:nvPicPr>
+          <p:cNvPr id="5" name="Content Placeholder 4">
+            <a:extLst>
+              <a:ext uri="{FF2B5EF4-FFF2-40B4-BE49-F238E27FC236}">
+                <a16:creationId xmlns:a16="http://schemas.microsoft.com/office/drawing/2014/main" id="{8DBA4ECD-4950-578B-B104-76B5DF4176A7}"/>
+              </a:ext>
+            </a:extLst>
+          </p:cNvPr>
+          <p:cNvPicPr>
+            <a:picLocks noGrp="1" noChangeAspect="1"/>
+          </p:cNvPicPr>
+          <p:nvPr>
+            <p:ph idx="1"/>
+          </p:nvPr>
+        </p:nvPicPr>
+        <p:blipFill>
+          <a:blip r:embed="rId2"/>
+          <a:stretch>
+            <a:fillRect/>
+          </a:stretch>
+        </p:blipFill>
+        <p:spPr>
+          <a:xfrm>
+            <a:off x="3657600" y="5143500"/>
+            <a:ext cx="8984884" cy="1447800"/>
+          </a:xfrm>
+        </p:spPr>
+      </p:pic>
+    </p:spTree>
+    <p:extLst>
+      <p:ext uri="{BB962C8B-B14F-4D97-AF65-F5344CB8AC3E}">
+        <p14:creationId xmlns:p14="http://schemas.microsoft.com/office/powerpoint/2010/main" val="2129523884"/>
+      </p:ext>
+    </p:extLst>
+  </p:cSld>
+  <p:clrMapOvr>
+    <a:masterClrMapping/>
+  </p:clrMapOvr>
+</p:sld>
+</file>
+
+<file path=ppt/slides/slide12.xml><?xml version="1.0" encoding="utf-8"?>
+<p:sld xmlns:a="http://schemas.openxmlformats.org/drawingml/2006/main" xmlns:r="http://schemas.openxmlformats.org/officeDocument/2006/relationships" xmlns:p="http://schemas.openxmlformats.org/presentationml/2006/main">
+  <p:cSld>
+    <p:spTree>
+      <p:nvGrpSpPr>
+        <p:cNvPr id="1" name=""/>
+        <p:cNvGrpSpPr/>
+        <p:nvPr/>
+      </p:nvGrpSpPr>
+      <p:grpSpPr>
+        <a:xfrm>
+          <a:off x="0" y="0"/>
+          <a:ext cx="0" cy="0"/>
+          <a:chOff x="0" y="0"/>
+          <a:chExt cx="0" cy="0"/>
+        </a:xfrm>
+      </p:grpSpPr>
+      <p:sp>
+        <p:nvSpPr>
+          <p:cNvPr id="2" name="Title 1">
+            <a:extLst>
+              <a:ext uri="{FF2B5EF4-FFF2-40B4-BE49-F238E27FC236}">
+                <a16:creationId xmlns:a16="http://schemas.microsoft.com/office/drawing/2014/main" id="{E6DEA05A-243A-32AC-F979-8C9267AB46A3}"/>
+              </a:ext>
+            </a:extLst>
+          </p:cNvPr>
+          <p:cNvSpPr>
+            <a:spLocks noGrp="1"/>
+          </p:cNvSpPr>
+          <p:nvPr>
+            <p:ph type="title"/>
+          </p:nvPr>
+        </p:nvSpPr>
+        <p:spPr/>
+        <p:txBody>
+          <a:bodyPr/>
+          <a:lstStyle/>
+          <a:p>
+            <a:r>
+              <a:rPr lang="en-CA" dirty="0"/>
+              <a:t>These are also Properties</a:t>
+            </a:r>
+            <a:br>
+              <a:rPr lang="en-CA" dirty="0"/>
+            </a:br>
+            <a:r>
+              <a:rPr lang="en-CA" sz="5400" dirty="0"/>
+              <a:t>(they are computed)</a:t>
+            </a:r>
+          </a:p>
+        </p:txBody>
+      </p:sp>
+      <p:pic>
+        <p:nvPicPr>
+          <p:cNvPr id="5" name="Content Placeholder 4">
+            <a:extLst>
+              <a:ext uri="{FF2B5EF4-FFF2-40B4-BE49-F238E27FC236}">
+                <a16:creationId xmlns:a16="http://schemas.microsoft.com/office/drawing/2014/main" id="{4EDBC674-BB7F-F225-227D-2688F77B243C}"/>
+              </a:ext>
+            </a:extLst>
+          </p:cNvPr>
+          <p:cNvPicPr>
+            <a:picLocks noGrp="1" noChangeAspect="1"/>
+          </p:cNvPicPr>
+          <p:nvPr>
+            <p:ph idx="1"/>
+          </p:nvPr>
+        </p:nvPicPr>
+        <p:blipFill>
+          <a:blip r:embed="rId2"/>
+          <a:stretch>
+            <a:fillRect/>
+          </a:stretch>
+        </p:blipFill>
+        <p:spPr>
+          <a:xfrm>
+            <a:off x="2667000" y="4686300"/>
+            <a:ext cx="11718963" cy="2034540"/>
+          </a:xfrm>
+        </p:spPr>
+      </p:pic>
+    </p:spTree>
+    <p:extLst>
+      <p:ext uri="{BB962C8B-B14F-4D97-AF65-F5344CB8AC3E}">
+        <p14:creationId xmlns:p14="http://schemas.microsoft.com/office/powerpoint/2010/main" val="3303602323"/>
+      </p:ext>
+    </p:extLst>
+  </p:cSld>
+  <p:clrMapOvr>
+    <a:masterClrMapping/>
+  </p:clrMapOvr>
+</p:sld>
+</file>
+
+<file path=ppt/slides/slide13.xml><?xml version="1.0" encoding="utf-8"?>
+<p:sld xmlns:a="http://schemas.openxmlformats.org/drawingml/2006/main" xmlns:r="http://schemas.openxmlformats.org/officeDocument/2006/relationships" xmlns:p="http://schemas.openxmlformats.org/presentationml/2006/main">
+  <p:cSld>
+    <p:spTree>
+      <p:nvGrpSpPr>
+        <p:cNvPr id="1" name=""/>
+        <p:cNvGrpSpPr/>
+        <p:nvPr/>
+      </p:nvGrpSpPr>
+      <p:grpSpPr>
+        <a:xfrm>
+          <a:off x="0" y="0"/>
+          <a:ext cx="0" cy="0"/>
+          <a:chOff x="0" y="0"/>
+          <a:chExt cx="0" cy="0"/>
+        </a:xfrm>
+      </p:grpSpPr>
+      <p:sp>
+        <p:nvSpPr>
+          <p:cNvPr id="2" name="Title 1">
+            <a:extLst>
+              <a:ext uri="{FF2B5EF4-FFF2-40B4-BE49-F238E27FC236}">
+                <a16:creationId xmlns:a16="http://schemas.microsoft.com/office/drawing/2014/main" id="{4A7ADE30-0D04-A460-4F9D-25971DF2E8DB}"/>
+              </a:ext>
+            </a:extLst>
+          </p:cNvPr>
+          <p:cNvSpPr>
+            <a:spLocks noGrp="1"/>
+          </p:cNvSpPr>
+          <p:nvPr>
+            <p:ph type="title"/>
+          </p:nvPr>
+        </p:nvSpPr>
+        <p:spPr/>
+        <p:txBody>
+          <a:bodyPr/>
+          <a:lstStyle/>
+          <a:p>
+            <a:r>
+              <a:rPr lang="en-CA" dirty="0"/>
+              <a:t>Mutability</a:t>
+            </a:r>
+          </a:p>
+        </p:txBody>
+      </p:sp>
+      <p:sp>
+        <p:nvSpPr>
+          <p:cNvPr id="3" name="Content Placeholder 2">
+            <a:extLst>
+              <a:ext uri="{FF2B5EF4-FFF2-40B4-BE49-F238E27FC236}">
+                <a16:creationId xmlns:a16="http://schemas.microsoft.com/office/drawing/2014/main" id="{D369A01E-0C34-BE60-8D68-F3FC4618BC81}"/>
+              </a:ext>
+            </a:extLst>
+          </p:cNvPr>
+          <p:cNvSpPr>
+            <a:spLocks noGrp="1"/>
+          </p:cNvSpPr>
+          <p:nvPr>
+            <p:ph idx="1"/>
+          </p:nvPr>
+        </p:nvSpPr>
+        <p:spPr/>
+        <p:txBody>
+          <a:bodyPr/>
+          <a:lstStyle/>
+          <a:p>
+            <a:r>
+              <a:rPr lang="en-CA" dirty="0">
+                <a:solidFill>
+                  <a:schemeClr val="tx1"/>
+                </a:solidFill>
+              </a:rPr>
+              <a:t>Fields can be changed after construction</a:t>
+            </a:r>
+          </a:p>
+          <a:p>
+            <a:r>
+              <a:rPr lang="en-CA" dirty="0">
+                <a:solidFill>
+                  <a:schemeClr val="tx1"/>
+                </a:solidFill>
+              </a:rPr>
+              <a:t>Includes inherited fields</a:t>
+            </a:r>
+          </a:p>
+          <a:p>
+            <a:r>
+              <a:rPr lang="en-CA" dirty="0">
+                <a:solidFill>
+                  <a:schemeClr val="tx1"/>
+                </a:solidFill>
+              </a:rPr>
+              <a:t>Includes private fields changed by functions</a:t>
+            </a:r>
+          </a:p>
+          <a:p>
+            <a:r>
+              <a:rPr lang="en-CA" dirty="0">
+                <a:solidFill>
+                  <a:schemeClr val="tx1"/>
+                </a:solidFill>
+              </a:rPr>
+              <a:t>Immutability means field values can never change after construction</a:t>
+            </a:r>
+          </a:p>
+          <a:p>
+            <a:pPr marL="68580" indent="0">
+              <a:buNone/>
+            </a:pPr>
+            <a:endParaRPr lang="en-CA" dirty="0"/>
+          </a:p>
+        </p:txBody>
+      </p:sp>
+    </p:spTree>
+    <p:extLst>
+      <p:ext uri="{BB962C8B-B14F-4D97-AF65-F5344CB8AC3E}">
+        <p14:creationId xmlns:p14="http://schemas.microsoft.com/office/powerpoint/2010/main" val="487798836"/>
+      </p:ext>
+    </p:extLst>
+  </p:cSld>
+  <p:clrMapOvr>
+    <a:masterClrMapping/>
+  </p:clrMapOvr>
+</p:sld>
+</file>
+
+<file path=ppt/slides/slide14.xml><?xml version="1.0" encoding="utf-8"?>
+<p:sld xmlns:a="http://schemas.openxmlformats.org/drawingml/2006/main" xmlns:r="http://schemas.openxmlformats.org/officeDocument/2006/relationships" xmlns:p="http://schemas.openxmlformats.org/presentationml/2006/main">
+  <p:cSld>
+    <p:spTree>
+      <p:nvGrpSpPr>
+        <p:cNvPr id="1" name=""/>
+        <p:cNvGrpSpPr/>
+        <p:nvPr/>
+      </p:nvGrpSpPr>
+      <p:grpSpPr>
+        <a:xfrm>
+          <a:off x="0" y="0"/>
+          <a:ext cx="0" cy="0"/>
+          <a:chOff x="0" y="0"/>
+          <a:chExt cx="0" cy="0"/>
+        </a:xfrm>
+      </p:grpSpPr>
+      <p:sp>
+        <p:nvSpPr>
+          <p:cNvPr id="2" name="Title 1">
+            <a:extLst>
+              <a:ext uri="{FF2B5EF4-FFF2-40B4-BE49-F238E27FC236}">
+                <a16:creationId xmlns:a16="http://schemas.microsoft.com/office/drawing/2014/main" id="{F10248FF-7857-FBEB-6281-BE9B15D1ECA9}"/>
+              </a:ext>
+            </a:extLst>
+          </p:cNvPr>
+          <p:cNvSpPr>
+            <a:spLocks noGrp="1"/>
+          </p:cNvSpPr>
+          <p:nvPr>
+            <p:ph type="title"/>
+          </p:nvPr>
+        </p:nvSpPr>
+        <p:spPr/>
+        <p:txBody>
+          <a:bodyPr/>
+          <a:lstStyle/>
+          <a:p>
+            <a:r>
+              <a:rPr lang="en-CA" dirty="0"/>
+              <a:t>Generic Types</a:t>
+            </a:r>
+          </a:p>
+        </p:txBody>
+      </p:sp>
+      <p:sp>
+        <p:nvSpPr>
+          <p:cNvPr id="3" name="Content Placeholder 2">
+            <a:extLst>
+              <a:ext uri="{FF2B5EF4-FFF2-40B4-BE49-F238E27FC236}">
+                <a16:creationId xmlns:a16="http://schemas.microsoft.com/office/drawing/2014/main" id="{054C38B0-33D2-4248-F92E-100C968716B0}"/>
+              </a:ext>
+            </a:extLst>
+          </p:cNvPr>
+          <p:cNvSpPr>
+            <a:spLocks noGrp="1"/>
+          </p:cNvSpPr>
+          <p:nvPr>
+            <p:ph idx="1"/>
+          </p:nvPr>
+        </p:nvSpPr>
+        <p:spPr/>
+        <p:txBody>
+          <a:bodyPr/>
+          <a:lstStyle/>
+          <a:p>
+            <a:r>
+              <a:rPr lang="en-CA" dirty="0"/>
+              <a:t>Types and Functions may have type arguments</a:t>
+            </a:r>
+          </a:p>
+          <a:p>
+            <a:r>
+              <a:rPr lang="en-CA" dirty="0"/>
+              <a:t>That means they are generic</a:t>
+            </a:r>
+          </a:p>
+          <a:p>
+            <a:r>
+              <a:rPr lang="en-CA" dirty="0"/>
+              <a:t>A List&lt;T&gt; is generic, an </a:t>
+            </a:r>
+            <a:r>
+              <a:rPr lang="en-CA" dirty="0" err="1"/>
+              <a:t>IEnumerable</a:t>
+            </a:r>
+            <a:r>
+              <a:rPr lang="en-CA" dirty="0"/>
+              <a:t>&lt;T&gt; is generic</a:t>
+            </a:r>
+          </a:p>
+          <a:p>
+            <a:r>
+              <a:rPr lang="en-CA" dirty="0"/>
+              <a:t>It requires a type argument</a:t>
+            </a:r>
+          </a:p>
+          <a:p>
+            <a:r>
+              <a:rPr lang="en-CA" dirty="0"/>
+              <a:t>Primitive types, other than array are not generic (</a:t>
+            </a:r>
+            <a:r>
+              <a:rPr lang="en-CA"/>
+              <a:t>int, string</a:t>
+            </a:r>
+            <a:r>
+              <a:rPr lang="en-CA" dirty="0"/>
+              <a:t>, float, etc.)</a:t>
+            </a:r>
+          </a:p>
+        </p:txBody>
+      </p:sp>
+    </p:spTree>
+    <p:extLst>
+      <p:ext uri="{BB962C8B-B14F-4D97-AF65-F5344CB8AC3E}">
+        <p14:creationId xmlns:p14="http://schemas.microsoft.com/office/powerpoint/2010/main" val="4268856769"/>
+      </p:ext>
+    </p:extLst>
+  </p:cSld>
+  <p:clrMapOvr>
+    <a:masterClrMapping/>
+  </p:clrMapOvr>
+</p:sld>
+</file>
+
+<file path=ppt/slides/slide15.xml><?xml version="1.0" encoding="utf-8"?>
+<p:sld xmlns:a="http://schemas.openxmlformats.org/drawingml/2006/main" xmlns:r="http://schemas.openxmlformats.org/officeDocument/2006/relationships" xmlns:p="http://schemas.openxmlformats.org/presentationml/2006/main">
+  <p:cSld>
+    <p:spTree>
+      <p:nvGrpSpPr>
+        <p:cNvPr id="1" name=""/>
+        <p:cNvGrpSpPr/>
+        <p:nvPr/>
+      </p:nvGrpSpPr>
+      <p:grpSpPr>
+        <a:xfrm>
+          <a:off x="0" y="0"/>
+          <a:ext cx="0" cy="0"/>
+          <a:chOff x="0" y="0"/>
+          <a:chExt cx="0" cy="0"/>
+        </a:xfrm>
+      </p:grpSpPr>
+      <p:sp>
+        <p:nvSpPr>
+          <p:cNvPr id="2" name="Title 1">
+            <a:extLst>
+              <a:ext uri="{FF2B5EF4-FFF2-40B4-BE49-F238E27FC236}">
+                <a16:creationId xmlns:a16="http://schemas.microsoft.com/office/drawing/2014/main" id="{9F5E71E5-A6C8-6FE1-12E0-9BB9E21FADAA}"/>
+              </a:ext>
+            </a:extLst>
+          </p:cNvPr>
+          <p:cNvSpPr>
+            <a:spLocks noGrp="1"/>
+          </p:cNvSpPr>
+          <p:nvPr>
+            <p:ph type="title"/>
+          </p:nvPr>
+        </p:nvSpPr>
+        <p:spPr/>
+        <p:txBody>
+          <a:bodyPr/>
+          <a:lstStyle/>
+          <a:p>
+            <a:r>
+              <a:rPr lang="en-CA" dirty="0"/>
+              <a:t>Writing Code</a:t>
+            </a:r>
+          </a:p>
+        </p:txBody>
+      </p:sp>
+      <p:sp>
+        <p:nvSpPr>
+          <p:cNvPr id="3" name="Content Placeholder 2">
+            <a:extLst>
+              <a:ext uri="{FF2B5EF4-FFF2-40B4-BE49-F238E27FC236}">
+                <a16:creationId xmlns:a16="http://schemas.microsoft.com/office/drawing/2014/main" id="{EB28D32F-94ED-5D64-347F-766EB70109EE}"/>
+              </a:ext>
+            </a:extLst>
+          </p:cNvPr>
+          <p:cNvSpPr>
+            <a:spLocks noGrp="1"/>
+          </p:cNvSpPr>
+          <p:nvPr>
+            <p:ph idx="1"/>
+          </p:nvPr>
+        </p:nvSpPr>
+        <p:spPr/>
+        <p:txBody>
+          <a:bodyPr/>
+          <a:lstStyle/>
+          <a:p>
+            <a:endParaRPr lang="en-CA"/>
+          </a:p>
+        </p:txBody>
+      </p:sp>
+    </p:spTree>
+    <p:extLst>
+      <p:ext uri="{BB962C8B-B14F-4D97-AF65-F5344CB8AC3E}">
+        <p14:creationId xmlns:p14="http://schemas.microsoft.com/office/powerpoint/2010/main" val="313550706"/>
+      </p:ext>
+    </p:extLst>
+  </p:cSld>
+  <p:clrMapOvr>
+    <a:masterClrMapping/>
+  </p:clrMapOvr>
+</p:sld>
+</file>
+
+<file path=ppt/slides/slide16.xml><?xml version="1.0" encoding="utf-8"?>
+<p:sld xmlns:a="http://schemas.openxmlformats.org/drawingml/2006/main" xmlns:r="http://schemas.openxmlformats.org/officeDocument/2006/relationships" xmlns:p="http://schemas.openxmlformats.org/presentationml/2006/main">
+  <p:cSld>
+    <p:spTree>
+      <p:nvGrpSpPr>
+        <p:cNvPr id="1" name=""/>
+        <p:cNvGrpSpPr/>
+        <p:nvPr/>
+      </p:nvGrpSpPr>
+      <p:grpSpPr>
+        <a:xfrm>
+          <a:off x="0" y="0"/>
+          <a:ext cx="0" cy="0"/>
+          <a:chOff x="0" y="0"/>
+          <a:chExt cx="0" cy="0"/>
+        </a:xfrm>
+      </p:grpSpPr>
+      <p:sp>
+        <p:nvSpPr>
+          <p:cNvPr id="2" name="Title 1">
+            <a:extLst>
+              <a:ext uri="{FF2B5EF4-FFF2-40B4-BE49-F238E27FC236}">
+                <a16:creationId xmlns:a16="http://schemas.microsoft.com/office/drawing/2014/main" id="{B00F457C-C193-609F-122C-FB375B2F401B}"/>
+              </a:ext>
+            </a:extLst>
+          </p:cNvPr>
+          <p:cNvSpPr>
+            <a:spLocks noGrp="1"/>
+          </p:cNvSpPr>
+          <p:nvPr>
+            <p:ph type="title"/>
+          </p:nvPr>
+        </p:nvSpPr>
+        <p:spPr/>
+        <p:txBody>
+          <a:bodyPr/>
+          <a:lstStyle/>
+          <a:p>
+            <a:r>
+              <a:rPr lang="en-CA" dirty="0"/>
+              <a:t>Reading Code</a:t>
+            </a:r>
+          </a:p>
+        </p:txBody>
+      </p:sp>
+      <p:sp>
+        <p:nvSpPr>
+          <p:cNvPr id="3" name="Content Placeholder 2">
+            <a:extLst>
+              <a:ext uri="{FF2B5EF4-FFF2-40B4-BE49-F238E27FC236}">
+                <a16:creationId xmlns:a16="http://schemas.microsoft.com/office/drawing/2014/main" id="{4482FB87-69B7-5C39-427E-F34A517A45E4}"/>
+              </a:ext>
+            </a:extLst>
+          </p:cNvPr>
+          <p:cNvSpPr>
+            <a:spLocks noGrp="1"/>
+          </p:cNvSpPr>
+          <p:nvPr>
+            <p:ph idx="1"/>
+          </p:nvPr>
+        </p:nvSpPr>
+        <p:spPr/>
+        <p:txBody>
+          <a:bodyPr/>
+          <a:lstStyle/>
+          <a:p>
+            <a:r>
+              <a:rPr lang="en-CA" dirty="0"/>
+              <a:t>Reading the flow. </a:t>
+            </a:r>
+          </a:p>
+        </p:txBody>
+      </p:sp>
+    </p:spTree>
+    <p:extLst>
+      <p:ext uri="{BB962C8B-B14F-4D97-AF65-F5344CB8AC3E}">
+        <p14:creationId xmlns:p14="http://schemas.microsoft.com/office/powerpoint/2010/main" val="2166930702"/>
+      </p:ext>
+    </p:extLst>
+  </p:cSld>
+  <p:clrMapOvr>
+    <a:masterClrMapping/>
+  </p:clrMapOvr>
+</p:sld>
+</file>
+
+<file path=ppt/slides/slide17.xml><?xml version="1.0" encoding="utf-8"?>
+<p:sld xmlns:a="http://schemas.openxmlformats.org/drawingml/2006/main" xmlns:r="http://schemas.openxmlformats.org/officeDocument/2006/relationships" xmlns:p="http://schemas.openxmlformats.org/presentationml/2006/main">
+  <p:cSld>
+    <p:spTree>
+      <p:nvGrpSpPr>
+        <p:cNvPr id="1" name=""/>
+        <p:cNvGrpSpPr/>
+        <p:nvPr/>
+      </p:nvGrpSpPr>
+      <p:grpSpPr>
+        <a:xfrm>
+          <a:off x="0" y="0"/>
+          <a:ext cx="0" cy="0"/>
+          <a:chOff x="0" y="0"/>
+          <a:chExt cx="0" cy="0"/>
+        </a:xfrm>
+      </p:grpSpPr>
+      <p:sp>
+        <p:nvSpPr>
+          <p:cNvPr id="2" name="Title 1">
+            <a:extLst>
+              <a:ext uri="{FF2B5EF4-FFF2-40B4-BE49-F238E27FC236}">
+                <a16:creationId xmlns:a16="http://schemas.microsoft.com/office/drawing/2014/main" id="{1E2F34DE-DF8A-7005-76A4-51D804053AA6}"/>
+              </a:ext>
+            </a:extLst>
+          </p:cNvPr>
+          <p:cNvSpPr>
+            <a:spLocks noGrp="1"/>
+          </p:cNvSpPr>
+          <p:nvPr>
+            <p:ph type="title"/>
+          </p:nvPr>
+        </p:nvSpPr>
+        <p:spPr/>
+        <p:txBody>
+          <a:bodyPr/>
+          <a:lstStyle/>
+          <a:p>
+            <a:r>
+              <a:rPr lang="en-CA" dirty="0" err="1"/>
+              <a:t>Misc</a:t>
+            </a:r>
+            <a:endParaRPr lang="en-CA" dirty="0"/>
+          </a:p>
+        </p:txBody>
+      </p:sp>
+      <p:sp>
+        <p:nvSpPr>
+          <p:cNvPr id="3" name="Content Placeholder 2">
+            <a:extLst>
+              <a:ext uri="{FF2B5EF4-FFF2-40B4-BE49-F238E27FC236}">
+                <a16:creationId xmlns:a16="http://schemas.microsoft.com/office/drawing/2014/main" id="{47B173C9-01EC-2B8D-5CBA-E9779A6A3B54}"/>
+              </a:ext>
+            </a:extLst>
+          </p:cNvPr>
+          <p:cNvSpPr>
+            <a:spLocks noGrp="1"/>
+          </p:cNvSpPr>
+          <p:nvPr>
+            <p:ph idx="1"/>
+          </p:nvPr>
+        </p:nvSpPr>
+        <p:spPr/>
+        <p:txBody>
+          <a:bodyPr/>
+          <a:lstStyle/>
+          <a:p>
+            <a:r>
+              <a:rPr lang="en-CA" dirty="0"/>
+              <a:t>C# is a compiled language</a:t>
+            </a:r>
+          </a:p>
+          <a:p>
+            <a:r>
+              <a:rPr lang="en-CA" dirty="0"/>
+              <a:t>It is compiled into byte-code</a:t>
+            </a:r>
+          </a:p>
+          <a:p>
+            <a:r>
+              <a:rPr lang="en-CA" dirty="0"/>
+              <a:t>Assemblies (DLLs and EXEs) contain byte code</a:t>
+            </a:r>
+          </a:p>
+          <a:p>
+            <a:r>
+              <a:rPr lang="en-CA" dirty="0"/>
+              <a:t>The debugger executes compiled code </a:t>
+            </a:r>
+          </a:p>
+          <a:p>
+            <a:r>
+              <a:rPr lang="en-CA" dirty="0"/>
+              <a:t>No type of any value can ever change: you create new values. </a:t>
+            </a:r>
+          </a:p>
+          <a:p>
+            <a:r>
+              <a:rPr lang="en-CA" dirty="0"/>
+              <a:t>Everything has a type (including void and null) </a:t>
+            </a:r>
+          </a:p>
+          <a:p>
+            <a:endParaRPr lang="en-CA" dirty="0"/>
+          </a:p>
+        </p:txBody>
+      </p:sp>
+    </p:spTree>
+    <p:extLst>
+      <p:ext uri="{BB962C8B-B14F-4D97-AF65-F5344CB8AC3E}">
+        <p14:creationId xmlns:p14="http://schemas.microsoft.com/office/powerpoint/2010/main" val="2293333404"/>
+      </p:ext>
+    </p:extLst>
+  </p:cSld>
+  <p:clrMapOvr>
+    <a:masterClrMapping/>
+  </p:clrMapOvr>
+</p:sld>
+</file>
+
+<file path=ppt/slides/slide18.xml><?xml version="1.0" encoding="utf-8"?>
+<p:sld xmlns:a="http://schemas.openxmlformats.org/drawingml/2006/main" xmlns:r="http://schemas.openxmlformats.org/officeDocument/2006/relationships" xmlns:p="http://schemas.openxmlformats.org/presentationml/2006/main">
+  <p:cSld>
+    <p:spTree>
+      <p:nvGrpSpPr>
+        <p:cNvPr id="1" name=""/>
+        <p:cNvGrpSpPr/>
+        <p:nvPr/>
+      </p:nvGrpSpPr>
+      <p:grpSpPr>
+        <a:xfrm>
+          <a:off x="0" y="0"/>
+          <a:ext cx="0" cy="0"/>
+          <a:chOff x="0" y="0"/>
+          <a:chExt cx="0" cy="0"/>
+        </a:xfrm>
+      </p:grpSpPr>
+      <p:sp>
+        <p:nvSpPr>
+          <p:cNvPr id="2" name="Title 1">
+            <a:extLst>
+              <a:ext uri="{FF2B5EF4-FFF2-40B4-BE49-F238E27FC236}">
+                <a16:creationId xmlns:a16="http://schemas.microsoft.com/office/drawing/2014/main" id="{2484D2C4-1A71-25F7-2738-C3BFDE6D376A}"/>
+              </a:ext>
+            </a:extLst>
+          </p:cNvPr>
+          <p:cNvSpPr>
+            <a:spLocks noGrp="1"/>
+          </p:cNvSpPr>
+          <p:nvPr>
+            <p:ph type="title"/>
+          </p:nvPr>
+        </p:nvSpPr>
+        <p:spPr/>
+        <p:txBody>
+          <a:bodyPr/>
+          <a:lstStyle/>
+          <a:p>
+            <a:r>
+              <a:rPr lang="en-CA" dirty="0"/>
+              <a:t>Understanding Casts</a:t>
+            </a:r>
+          </a:p>
+        </p:txBody>
+      </p:sp>
+      <p:sp>
+        <p:nvSpPr>
+          <p:cNvPr id="3" name="Content Placeholder 2">
+            <a:extLst>
+              <a:ext uri="{FF2B5EF4-FFF2-40B4-BE49-F238E27FC236}">
+                <a16:creationId xmlns:a16="http://schemas.microsoft.com/office/drawing/2014/main" id="{F739E7FC-B64C-048D-E110-482DD308440E}"/>
+              </a:ext>
+            </a:extLst>
+          </p:cNvPr>
+          <p:cNvSpPr>
+            <a:spLocks noGrp="1"/>
+          </p:cNvSpPr>
+          <p:nvPr>
+            <p:ph idx="1"/>
+          </p:nvPr>
+        </p:nvSpPr>
+        <p:spPr/>
+        <p:txBody>
+          <a:bodyPr/>
+          <a:lstStyle/>
+          <a:p>
+            <a:r>
+              <a:rPr lang="en-CA" dirty="0"/>
+              <a:t>Casts are implicit or explicit</a:t>
+            </a:r>
+          </a:p>
+          <a:p>
+            <a:r>
+              <a:rPr lang="en-CA" dirty="0"/>
+              <a:t>Whenever I say: (X)x it invokes an explicit </a:t>
+            </a:r>
+          </a:p>
+          <a:p>
+            <a:r>
+              <a:rPr lang="en-CA" dirty="0">
+                <a:hlinkClick r:id="rId2"/>
+              </a:rPr>
+              <a:t>https://learn.microsoft.com/en-us/dotnet/csharp/programming-guide/types/casting-and-type-conversions</a:t>
+            </a:r>
+            <a:endParaRPr lang="en-CA" dirty="0"/>
+          </a:p>
+          <a:p>
+            <a:endParaRPr lang="en-CA" dirty="0"/>
+          </a:p>
+        </p:txBody>
+      </p:sp>
+    </p:spTree>
+    <p:extLst>
+      <p:ext uri="{BB962C8B-B14F-4D97-AF65-F5344CB8AC3E}">
+        <p14:creationId xmlns:p14="http://schemas.microsoft.com/office/powerpoint/2010/main" val="919857740"/>
+      </p:ext>
+    </p:extLst>
+  </p:cSld>
+  <p:clrMapOvr>
+    <a:masterClrMapping/>
+  </p:clrMapOvr>
+</p:sld>
+</file>
+
+<file path=ppt/slides/slide19.xml><?xml version="1.0" encoding="utf-8"?>
+<p:sld xmlns:a="http://schemas.openxmlformats.org/drawingml/2006/main" xmlns:r="http://schemas.openxmlformats.org/officeDocument/2006/relationships" xmlns:p="http://schemas.openxmlformats.org/presentationml/2006/main">
+  <p:cSld>
+    <p:spTree>
+      <p:nvGrpSpPr>
+        <p:cNvPr id="1" name=""/>
+        <p:cNvGrpSpPr/>
+        <p:nvPr/>
+      </p:nvGrpSpPr>
+      <p:grpSpPr>
+        <a:xfrm>
+          <a:off x="0" y="0"/>
+          <a:ext cx="0" cy="0"/>
+          <a:chOff x="0" y="0"/>
+          <a:chExt cx="0" cy="0"/>
+        </a:xfrm>
+      </p:grpSpPr>
+      <p:sp>
+        <p:nvSpPr>
+          <p:cNvPr id="2" name="Title 1">
+            <a:extLst>
+              <a:ext uri="{FF2B5EF4-FFF2-40B4-BE49-F238E27FC236}">
+                <a16:creationId xmlns:a16="http://schemas.microsoft.com/office/drawing/2014/main" id="{44C0CFA3-0AE0-8FB0-7DA0-1883EE486AC5}"/>
+              </a:ext>
+            </a:extLst>
+          </p:cNvPr>
+          <p:cNvSpPr>
+            <a:spLocks noGrp="1"/>
+          </p:cNvSpPr>
+          <p:nvPr>
+            <p:ph type="title"/>
+          </p:nvPr>
+        </p:nvSpPr>
+        <p:spPr/>
+        <p:txBody>
+          <a:bodyPr/>
+          <a:lstStyle/>
+          <a:p>
+            <a:r>
+              <a:rPr lang="en-CA" dirty="0"/>
+              <a:t>Types of Expressions</a:t>
+            </a:r>
+          </a:p>
+        </p:txBody>
+      </p:sp>
+      <p:sp>
+        <p:nvSpPr>
+          <p:cNvPr id="3" name="Content Placeholder 2">
+            <a:extLst>
+              <a:ext uri="{FF2B5EF4-FFF2-40B4-BE49-F238E27FC236}">
+                <a16:creationId xmlns:a16="http://schemas.microsoft.com/office/drawing/2014/main" id="{5074448B-F16B-CCBD-8E6B-E49D3E801044}"/>
+              </a:ext>
+            </a:extLst>
+          </p:cNvPr>
+          <p:cNvSpPr>
+            <a:spLocks noGrp="1"/>
+          </p:cNvSpPr>
+          <p:nvPr>
+            <p:ph idx="1"/>
+          </p:nvPr>
+        </p:nvSpPr>
+        <p:spPr/>
+        <p:txBody>
+          <a:bodyPr/>
+          <a:lstStyle/>
+          <a:p>
+            <a:endParaRPr lang="en-CA" dirty="0"/>
+          </a:p>
+        </p:txBody>
+      </p:sp>
+    </p:spTree>
+    <p:extLst>
+      <p:ext uri="{BB962C8B-B14F-4D97-AF65-F5344CB8AC3E}">
+        <p14:creationId xmlns:p14="http://schemas.microsoft.com/office/powerpoint/2010/main" val="3368785078"/>
+      </p:ext>
+    </p:extLst>
+  </p:cSld>
+  <p:clrMapOvr>
+    <a:masterClrMapping/>
+  </p:clrMapOvr>
+</p:sld>
+</file>
+
+<file path=ppt/slides/slide2.xml><?xml version="1.0" encoding="utf-8"?>
+<p:sld xmlns:a="http://schemas.openxmlformats.org/drawingml/2006/main" xmlns:r="http://schemas.openxmlformats.org/officeDocument/2006/relationships" xmlns:p="http://schemas.openxmlformats.org/presentationml/2006/main">
+  <p:cSld>
+    <p:spTree>
+      <p:nvGrpSpPr>
+        <p:cNvPr id="1" name=""/>
+        <p:cNvGrpSpPr/>
+        <p:nvPr/>
+      </p:nvGrpSpPr>
+      <p:grpSpPr>
+        <a:xfrm>
+          <a:off x="0" y="0"/>
+          <a:ext cx="0" cy="0"/>
+          <a:chOff x="0" y="0"/>
+          <a:chExt cx="0" cy="0"/>
+        </a:xfrm>
+      </p:grpSpPr>
+      <p:sp>
+        <p:nvSpPr>
+          <p:cNvPr id="4" name="Title 3">
+            <a:extLst>
+              <a:ext uri="{FF2B5EF4-FFF2-40B4-BE49-F238E27FC236}">
+                <a16:creationId xmlns:a16="http://schemas.microsoft.com/office/drawing/2014/main" id="{0E60DC0B-DA13-D866-A13E-15F7C1AFD9FF}"/>
+              </a:ext>
+            </a:extLst>
+          </p:cNvPr>
+          <p:cNvSpPr>
+            <a:spLocks noGrp="1"/>
+          </p:cNvSpPr>
+          <p:nvPr>
+            <p:ph type="title"/>
+          </p:nvPr>
+        </p:nvSpPr>
+        <p:spPr/>
+        <p:txBody>
+          <a:bodyPr/>
+          <a:lstStyle/>
+          <a:p>
+            <a:r>
+              <a:rPr lang="en-CA" dirty="0"/>
+              <a:t>Code Structure</a:t>
+            </a:r>
+          </a:p>
+        </p:txBody>
+      </p:sp>
+      <p:sp>
+        <p:nvSpPr>
+          <p:cNvPr id="5" name="Content Placeholder 4">
+            <a:extLst>
+              <a:ext uri="{FF2B5EF4-FFF2-40B4-BE49-F238E27FC236}">
+                <a16:creationId xmlns:a16="http://schemas.microsoft.com/office/drawing/2014/main" id="{82C3763C-3D95-4C1B-A29B-5B278090E534}"/>
+              </a:ext>
+            </a:extLst>
+          </p:cNvPr>
+          <p:cNvSpPr>
+            <a:spLocks noGrp="1"/>
+          </p:cNvSpPr>
+          <p:nvPr>
+            <p:ph idx="1"/>
+          </p:nvPr>
+        </p:nvSpPr>
+        <p:spPr/>
+        <p:txBody>
+          <a:bodyPr/>
+          <a:lstStyle/>
+          <a:p>
+            <a:r>
+              <a:rPr lang="en-CA" dirty="0"/>
+              <a:t>Class Declaration</a:t>
+            </a:r>
+          </a:p>
+          <a:p>
+            <a:r>
+              <a:rPr lang="en-CA" dirty="0"/>
+              <a:t>Property</a:t>
+            </a:r>
+          </a:p>
+          <a:p>
+            <a:r>
+              <a:rPr lang="en-CA" dirty="0"/>
+              <a:t>Field</a:t>
+            </a:r>
+          </a:p>
+          <a:p>
+            <a:r>
+              <a:rPr lang="en-CA" dirty="0"/>
+              <a:t>Constructor</a:t>
+            </a:r>
+          </a:p>
+          <a:p>
+            <a:r>
+              <a:rPr lang="en-CA" dirty="0"/>
+              <a:t>Method</a:t>
+            </a:r>
+          </a:p>
+          <a:p>
+            <a:r>
+              <a:rPr lang="en-CA" dirty="0"/>
+              <a:t>Enum Declaration</a:t>
+            </a:r>
+          </a:p>
+          <a:p>
+            <a:r>
+              <a:rPr lang="en-CA" dirty="0"/>
+              <a:t>Public / Private</a:t>
+            </a:r>
+          </a:p>
+          <a:p>
+            <a:r>
+              <a:rPr lang="en-CA" dirty="0"/>
+              <a:t>Virtual / Override</a:t>
+            </a:r>
+          </a:p>
+        </p:txBody>
+      </p:sp>
+    </p:spTree>
+    <p:extLst>
+      <p:ext uri="{BB962C8B-B14F-4D97-AF65-F5344CB8AC3E}">
+        <p14:creationId xmlns:p14="http://schemas.microsoft.com/office/powerpoint/2010/main" val="3214973942"/>
+      </p:ext>
+    </p:extLst>
+  </p:cSld>
+  <p:clrMapOvr>
+    <a:masterClrMapping/>
+  </p:clrMapOvr>
+</p:sld>
+</file>
+
+<file path=ppt/slides/slide3.xml><?xml version="1.0" encoding="utf-8"?>
+<p:sld xmlns:a="http://schemas.openxmlformats.org/drawingml/2006/main" xmlns:r="http://schemas.openxmlformats.org/officeDocument/2006/relationships" xmlns:p="http://schemas.openxmlformats.org/presentationml/2006/main">
+  <p:cSld>
+    <p:spTree>
+      <p:nvGrpSpPr>
+        <p:cNvPr id="1" name=""/>
+        <p:cNvGrpSpPr/>
+        <p:nvPr/>
+      </p:nvGrpSpPr>
+      <p:grpSpPr>
+        <a:xfrm>
+          <a:off x="0" y="0"/>
+          <a:ext cx="0" cy="0"/>
+          <a:chOff x="0" y="0"/>
+          <a:chExt cx="0" cy="0"/>
+        </a:xfrm>
+      </p:grpSpPr>
+      <p:sp>
+        <p:nvSpPr>
+          <p:cNvPr id="2" name="Title 1">
+            <a:extLst>
+              <a:ext uri="{FF2B5EF4-FFF2-40B4-BE49-F238E27FC236}">
+                <a16:creationId xmlns:a16="http://schemas.microsoft.com/office/drawing/2014/main" id="{56192104-5E00-5E7D-EDC9-008449B57EC2}"/>
+              </a:ext>
+            </a:extLst>
+          </p:cNvPr>
+          <p:cNvSpPr>
+            <a:spLocks noGrp="1"/>
+          </p:cNvSpPr>
+          <p:nvPr>
+            <p:ph type="title"/>
+          </p:nvPr>
+        </p:nvSpPr>
+        <p:spPr/>
+        <p:txBody>
+          <a:bodyPr/>
+          <a:lstStyle/>
+          <a:p>
+            <a:r>
+              <a:rPr lang="en-CA" dirty="0"/>
+              <a:t>Enum</a:t>
+            </a:r>
+          </a:p>
+        </p:txBody>
+      </p:sp>
+      <p:pic>
+        <p:nvPicPr>
+          <p:cNvPr id="5" name="Content Placeholder 4">
+            <a:extLst>
+              <a:ext uri="{FF2B5EF4-FFF2-40B4-BE49-F238E27FC236}">
+                <a16:creationId xmlns:a16="http://schemas.microsoft.com/office/drawing/2014/main" id="{266367A5-3169-901D-E4F2-E88A0FFAB96C}"/>
+              </a:ext>
+            </a:extLst>
+          </p:cNvPr>
+          <p:cNvPicPr>
+            <a:picLocks noGrp="1" noChangeAspect="1"/>
+          </p:cNvPicPr>
+          <p:nvPr>
+            <p:ph idx="1"/>
+          </p:nvPr>
+        </p:nvPicPr>
+        <p:blipFill>
+          <a:blip r:embed="rId2"/>
+          <a:stretch>
+            <a:fillRect/>
+          </a:stretch>
+        </p:blipFill>
+        <p:spPr>
+          <a:xfrm>
+            <a:off x="3886200" y="3543300"/>
+            <a:ext cx="9074904" cy="3599963"/>
+          </a:xfrm>
+        </p:spPr>
+      </p:pic>
+    </p:spTree>
+    <p:extLst>
+      <p:ext uri="{BB962C8B-B14F-4D97-AF65-F5344CB8AC3E}">
+        <p14:creationId xmlns:p14="http://schemas.microsoft.com/office/powerpoint/2010/main" val="2833976343"/>
+      </p:ext>
+    </p:extLst>
+  </p:cSld>
+  <p:clrMapOvr>
+    <a:masterClrMapping/>
+  </p:clrMapOvr>
+</p:sld>
+</file>
+
+<file path=ppt/slides/slide4.xml><?xml version="1.0" encoding="utf-8"?>
+<p:sld xmlns:a="http://schemas.openxmlformats.org/drawingml/2006/main" xmlns:r="http://schemas.openxmlformats.org/officeDocument/2006/relationships" xmlns:p="http://schemas.openxmlformats.org/presentationml/2006/main">
+  <p:cSld>
+    <p:spTree>
+      <p:nvGrpSpPr>
+        <p:cNvPr id="1" name=""/>
+        <p:cNvGrpSpPr/>
+        <p:nvPr/>
+      </p:nvGrpSpPr>
+      <p:grpSpPr>
+        <a:xfrm>
+          <a:off x="0" y="0"/>
+          <a:ext cx="0" cy="0"/>
+          <a:chOff x="0" y="0"/>
+          <a:chExt cx="0" cy="0"/>
+        </a:xfrm>
+      </p:grpSpPr>
+      <p:sp>
+        <p:nvSpPr>
+          <p:cNvPr id="2" name="Title 1">
+            <a:extLst>
+              <a:ext uri="{FF2B5EF4-FFF2-40B4-BE49-F238E27FC236}">
+                <a16:creationId xmlns:a16="http://schemas.microsoft.com/office/drawing/2014/main" id="{1EDA7059-65DC-6464-400E-B60BCEDAC6E7}"/>
+              </a:ext>
+            </a:extLst>
+          </p:cNvPr>
+          <p:cNvSpPr>
+            <a:spLocks noGrp="1"/>
+          </p:cNvSpPr>
+          <p:nvPr>
+            <p:ph type="title"/>
+          </p:nvPr>
+        </p:nvSpPr>
+        <p:spPr/>
+        <p:txBody>
+          <a:bodyPr/>
+          <a:lstStyle/>
+          <a:p>
+            <a:r>
+              <a:rPr lang="en-CA" dirty="0"/>
+              <a:t>An Enum is a type </a:t>
+            </a:r>
+          </a:p>
+        </p:txBody>
+      </p:sp>
+      <p:sp>
+        <p:nvSpPr>
+          <p:cNvPr id="3" name="Content Placeholder 2">
+            <a:extLst>
+              <a:ext uri="{FF2B5EF4-FFF2-40B4-BE49-F238E27FC236}">
+                <a16:creationId xmlns:a16="http://schemas.microsoft.com/office/drawing/2014/main" id="{718AE7CE-4225-FA5C-5A84-19DB388059C1}"/>
+              </a:ext>
+            </a:extLst>
+          </p:cNvPr>
+          <p:cNvSpPr>
+            <a:spLocks noGrp="1"/>
+          </p:cNvSpPr>
+          <p:nvPr>
+            <p:ph idx="1"/>
+          </p:nvPr>
+        </p:nvSpPr>
+        <p:spPr/>
+        <p:txBody>
+          <a:bodyPr/>
+          <a:lstStyle/>
+          <a:p>
+            <a:r>
+              <a:rPr lang="en-CA" dirty="0"/>
+              <a:t>Represents a small set of distinct values </a:t>
+            </a:r>
+          </a:p>
+          <a:p>
+            <a:r>
+              <a:rPr lang="en-CA" dirty="0"/>
+              <a:t>Each value is a constant </a:t>
+            </a:r>
+          </a:p>
+          <a:p>
+            <a:r>
+              <a:rPr lang="en-CA" dirty="0"/>
+              <a:t>Each value corresponds to a unique integer value and a unique name </a:t>
+            </a:r>
+          </a:p>
+        </p:txBody>
+      </p:sp>
+    </p:spTree>
+    <p:extLst>
+      <p:ext uri="{BB962C8B-B14F-4D97-AF65-F5344CB8AC3E}">
+        <p14:creationId xmlns:p14="http://schemas.microsoft.com/office/powerpoint/2010/main" val="3008123605"/>
+      </p:ext>
+    </p:extLst>
+  </p:cSld>
+  <p:clrMapOvr>
+    <a:masterClrMapping/>
+  </p:clrMapOvr>
+</p:sld>
+</file>
+
+<file path=ppt/slides/slide5.xml><?xml version="1.0" encoding="utf-8"?>
+<p:sld xmlns:a="http://schemas.openxmlformats.org/drawingml/2006/main" xmlns:r="http://schemas.openxmlformats.org/officeDocument/2006/relationships" xmlns:p="http://schemas.openxmlformats.org/presentationml/2006/main">
+  <p:cSld>
+    <p:spTree>
+      <p:nvGrpSpPr>
+        <p:cNvPr id="1" name=""/>
+        <p:cNvGrpSpPr/>
+        <p:nvPr/>
+      </p:nvGrpSpPr>
+      <p:grpSpPr>
+        <a:xfrm>
+          <a:off x="0" y="0"/>
+          <a:ext cx="0" cy="0"/>
+          <a:chOff x="0" y="0"/>
+          <a:chExt cx="0" cy="0"/>
+        </a:xfrm>
+      </p:grpSpPr>
+      <p:sp>
+        <p:nvSpPr>
+          <p:cNvPr id="2" name="Title 1">
+            <a:extLst>
+              <a:ext uri="{FF2B5EF4-FFF2-40B4-BE49-F238E27FC236}">
+                <a16:creationId xmlns:a16="http://schemas.microsoft.com/office/drawing/2014/main" id="{6C2D9834-CB93-877E-7BB8-EFD92266E815}"/>
+              </a:ext>
+            </a:extLst>
+          </p:cNvPr>
+          <p:cNvSpPr>
+            <a:spLocks noGrp="1"/>
+          </p:cNvSpPr>
+          <p:nvPr>
+            <p:ph type="title"/>
+          </p:nvPr>
+        </p:nvSpPr>
+        <p:spPr/>
+        <p:txBody>
+          <a:bodyPr/>
+          <a:lstStyle/>
+          <a:p>
+            <a:r>
+              <a:rPr lang="en-CA" dirty="0"/>
+              <a:t>How to use an Enum</a:t>
+            </a:r>
+          </a:p>
+        </p:txBody>
+      </p:sp>
+      <p:pic>
+        <p:nvPicPr>
+          <p:cNvPr id="5" name="Content Placeholder 4">
+            <a:extLst>
+              <a:ext uri="{FF2B5EF4-FFF2-40B4-BE49-F238E27FC236}">
+                <a16:creationId xmlns:a16="http://schemas.microsoft.com/office/drawing/2014/main" id="{C22C469E-9974-3859-C32C-DE12B7DB7291}"/>
+              </a:ext>
+            </a:extLst>
+          </p:cNvPr>
+          <p:cNvPicPr>
+            <a:picLocks noGrp="1" noChangeAspect="1"/>
+          </p:cNvPicPr>
+          <p:nvPr>
+            <p:ph idx="1"/>
+          </p:nvPr>
+        </p:nvPicPr>
+        <p:blipFill>
+          <a:blip r:embed="rId2"/>
+          <a:stretch>
+            <a:fillRect/>
+          </a:stretch>
+        </p:blipFill>
+        <p:spPr>
+          <a:xfrm>
+            <a:off x="2438400" y="4034494"/>
+            <a:ext cx="12065255" cy="3467297"/>
+          </a:xfrm>
+        </p:spPr>
+      </p:pic>
+    </p:spTree>
+    <p:extLst>
+      <p:ext uri="{BB962C8B-B14F-4D97-AF65-F5344CB8AC3E}">
+        <p14:creationId xmlns:p14="http://schemas.microsoft.com/office/powerpoint/2010/main" val="1844878982"/>
+      </p:ext>
+    </p:extLst>
+  </p:cSld>
+  <p:clrMapOvr>
+    <a:masterClrMapping/>
+  </p:clrMapOvr>
+</p:sld>
+</file>
+
+<file path=ppt/slides/slide6.xml><?xml version="1.0" encoding="utf-8"?>
+<p:sld xmlns:a="http://schemas.openxmlformats.org/drawingml/2006/main" xmlns:r="http://schemas.openxmlformats.org/officeDocument/2006/relationships" xmlns:p="http://schemas.openxmlformats.org/presentationml/2006/main">
+  <p:cSld>
+    <p:spTree>
+      <p:nvGrpSpPr>
+        <p:cNvPr id="1" name=""/>
+        <p:cNvGrpSpPr/>
+        <p:nvPr/>
+      </p:nvGrpSpPr>
+      <p:grpSpPr>
+        <a:xfrm>
+          <a:off x="0" y="0"/>
+          <a:ext cx="0" cy="0"/>
+          <a:chOff x="0" y="0"/>
+          <a:chExt cx="0" cy="0"/>
+        </a:xfrm>
+      </p:grpSpPr>
+      <p:sp>
+        <p:nvSpPr>
+          <p:cNvPr id="2" name="Title 1">
+            <a:extLst>
+              <a:ext uri="{FF2B5EF4-FFF2-40B4-BE49-F238E27FC236}">
+                <a16:creationId xmlns:a16="http://schemas.microsoft.com/office/drawing/2014/main" id="{3799538A-8811-9CE6-C11D-E40D10F10AF1}"/>
+              </a:ext>
+            </a:extLst>
+          </p:cNvPr>
+          <p:cNvSpPr>
+            <a:spLocks noGrp="1"/>
+          </p:cNvSpPr>
+          <p:nvPr>
+            <p:ph type="title"/>
+          </p:nvPr>
+        </p:nvSpPr>
+        <p:spPr/>
+        <p:txBody>
+          <a:bodyPr/>
+          <a:lstStyle/>
+          <a:p>
+            <a:r>
+              <a:rPr lang="en-CA" dirty="0"/>
+              <a:t>Simple Class Declaration</a:t>
+            </a:r>
+          </a:p>
+        </p:txBody>
+      </p:sp>
+      <p:pic>
+        <p:nvPicPr>
+          <p:cNvPr id="5" name="Content Placeholder 4">
+            <a:extLst>
+              <a:ext uri="{FF2B5EF4-FFF2-40B4-BE49-F238E27FC236}">
+                <a16:creationId xmlns:a16="http://schemas.microsoft.com/office/drawing/2014/main" id="{991674FA-2E78-AA9D-D5E0-131C56BDE180}"/>
+              </a:ext>
+            </a:extLst>
+          </p:cNvPr>
+          <p:cNvPicPr>
+            <a:picLocks noGrp="1" noChangeAspect="1"/>
+          </p:cNvPicPr>
+          <p:nvPr>
+            <p:ph idx="1"/>
+          </p:nvPr>
+        </p:nvPicPr>
+        <p:blipFill>
+          <a:blip r:embed="rId2"/>
+          <a:stretch>
+            <a:fillRect/>
+          </a:stretch>
+        </p:blipFill>
+        <p:spPr>
+          <a:xfrm>
+            <a:off x="3733800" y="3604261"/>
+            <a:ext cx="9546903" cy="3733800"/>
+          </a:xfrm>
+        </p:spPr>
+      </p:pic>
+    </p:spTree>
+    <p:extLst>
+      <p:ext uri="{BB962C8B-B14F-4D97-AF65-F5344CB8AC3E}">
+        <p14:creationId xmlns:p14="http://schemas.microsoft.com/office/powerpoint/2010/main" val="4141332126"/>
+      </p:ext>
+    </p:extLst>
+  </p:cSld>
+  <p:clrMapOvr>
+    <a:masterClrMapping/>
+  </p:clrMapOvr>
+</p:sld>
+</file>
+
+<file path=ppt/slides/slide7.xml><?xml version="1.0" encoding="utf-8"?>
+<p:sld xmlns:a="http://schemas.openxmlformats.org/drawingml/2006/main" xmlns:r="http://schemas.openxmlformats.org/officeDocument/2006/relationships" xmlns:p="http://schemas.openxmlformats.org/presentationml/2006/main">
+  <p:cSld>
+    <p:spTree>
+      <p:nvGrpSpPr>
+        <p:cNvPr id="1" name=""/>
+        <p:cNvGrpSpPr/>
+        <p:nvPr/>
+      </p:nvGrpSpPr>
+      <p:grpSpPr>
+        <a:xfrm>
+          <a:off x="0" y="0"/>
+          <a:ext cx="0" cy="0"/>
+          <a:chOff x="0" y="0"/>
+          <a:chExt cx="0" cy="0"/>
+        </a:xfrm>
+      </p:grpSpPr>
+      <p:sp>
+        <p:nvSpPr>
+          <p:cNvPr id="2" name="Title 1">
+            <a:extLst>
+              <a:ext uri="{FF2B5EF4-FFF2-40B4-BE49-F238E27FC236}">
+                <a16:creationId xmlns:a16="http://schemas.microsoft.com/office/drawing/2014/main" id="{31FCE724-2071-7C80-EF00-F058447CB6EB}"/>
+              </a:ext>
+            </a:extLst>
+          </p:cNvPr>
+          <p:cNvSpPr>
+            <a:spLocks noGrp="1"/>
+          </p:cNvSpPr>
+          <p:nvPr>
+            <p:ph type="title"/>
+          </p:nvPr>
+        </p:nvSpPr>
+        <p:spPr/>
+        <p:txBody>
+          <a:bodyPr/>
+          <a:lstStyle/>
+          <a:p>
+            <a:r>
+              <a:rPr lang="en-CA" dirty="0"/>
+              <a:t>Understanding Member Declarations</a:t>
+            </a:r>
+          </a:p>
+        </p:txBody>
+      </p:sp>
+      <p:sp>
+        <p:nvSpPr>
+          <p:cNvPr id="3" name="Content Placeholder 2">
+            <a:extLst>
+              <a:ext uri="{FF2B5EF4-FFF2-40B4-BE49-F238E27FC236}">
+                <a16:creationId xmlns:a16="http://schemas.microsoft.com/office/drawing/2014/main" id="{0F283AE5-A54D-0627-3C21-1E90B00D3D4A}"/>
+              </a:ext>
+            </a:extLst>
+          </p:cNvPr>
+          <p:cNvSpPr>
+            <a:spLocks noGrp="1"/>
+          </p:cNvSpPr>
+          <p:nvPr>
+            <p:ph idx="1"/>
+          </p:nvPr>
+        </p:nvSpPr>
+        <p:spPr/>
+        <p:txBody>
+          <a:bodyPr/>
+          <a:lstStyle/>
+          <a:p>
+            <a:r>
+              <a:rPr lang="en-CA" dirty="0"/>
+              <a:t>Are there parentheses? If yes, then it is a method, otherwise, a field or property. </a:t>
+            </a:r>
+          </a:p>
+          <a:p>
+            <a:r>
+              <a:rPr lang="en-CA" dirty="0"/>
+              <a:t>Does it have an “=&gt;”? If so, then it is a method or property.</a:t>
+            </a:r>
+          </a:p>
+          <a:p>
+            <a:r>
+              <a:rPr lang="en-CA" dirty="0"/>
+              <a:t>Does it have an “=“? If so, then it is a field or property. </a:t>
+            </a:r>
+          </a:p>
+          <a:p>
+            <a:r>
+              <a:rPr lang="en-CA" dirty="0"/>
+              <a:t>Does it have a “get” or “set”? If so then it is a property.</a:t>
+            </a:r>
+          </a:p>
+          <a:p>
+            <a:r>
+              <a:rPr lang="en-CA" dirty="0"/>
+              <a:t>Is it a method with same name as class: then it is a constructor </a:t>
+            </a:r>
+          </a:p>
+          <a:p>
+            <a:endParaRPr lang="en-CA" dirty="0"/>
+          </a:p>
+          <a:p>
+            <a:endParaRPr lang="en-CA" dirty="0"/>
+          </a:p>
+        </p:txBody>
+      </p:sp>
+    </p:spTree>
+    <p:extLst>
+      <p:ext uri="{BB962C8B-B14F-4D97-AF65-F5344CB8AC3E}">
+        <p14:creationId xmlns:p14="http://schemas.microsoft.com/office/powerpoint/2010/main" val="1054647093"/>
+      </p:ext>
+    </p:extLst>
+  </p:cSld>
+  <p:clrMapOvr>
+    <a:masterClrMapping/>
+  </p:clrMapOvr>
+</p:sld>
+</file>
+
+<file path=ppt/slides/slide8.xml><?xml version="1.0" encoding="utf-8"?>
+<p:sld xmlns:a="http://schemas.openxmlformats.org/drawingml/2006/main" xmlns:r="http://schemas.openxmlformats.org/officeDocument/2006/relationships" xmlns:p="http://schemas.openxmlformats.org/presentationml/2006/main">
+  <p:cSld>
+    <p:spTree>
+      <p:nvGrpSpPr>
+        <p:cNvPr id="1" name=""/>
+        <p:cNvGrpSpPr/>
+        <p:nvPr/>
+      </p:nvGrpSpPr>
+      <p:grpSpPr>
+        <a:xfrm>
+          <a:off x="0" y="0"/>
+          <a:ext cx="0" cy="0"/>
+          <a:chOff x="0" y="0"/>
+          <a:chExt cx="0" cy="0"/>
+        </a:xfrm>
+      </p:grpSpPr>
+      <p:sp>
+        <p:nvSpPr>
+          <p:cNvPr id="2" name="Title 1">
+            <a:extLst>
+              <a:ext uri="{FF2B5EF4-FFF2-40B4-BE49-F238E27FC236}">
+                <a16:creationId xmlns:a16="http://schemas.microsoft.com/office/drawing/2014/main" id="{4221C71D-C707-7F6F-CB68-D0489E52BC42}"/>
+              </a:ext>
+            </a:extLst>
+          </p:cNvPr>
+          <p:cNvSpPr>
+            <a:spLocks noGrp="1"/>
+          </p:cNvSpPr>
+          <p:nvPr>
+            <p:ph type="title"/>
+          </p:nvPr>
+        </p:nvSpPr>
+        <p:spPr/>
+        <p:txBody>
+          <a:bodyPr>
+            <a:normAutofit/>
+          </a:bodyPr>
+          <a:lstStyle/>
+          <a:p>
+            <a:r>
+              <a:rPr lang="en-CA" dirty="0"/>
+              <a:t>Constructor: like a method</a:t>
+            </a:r>
+            <a:br>
+              <a:rPr lang="en-CA" dirty="0"/>
+            </a:br>
+            <a:r>
+              <a:rPr lang="en-CA" sz="5400" dirty="0"/>
+              <a:t>but no return type, and same name as class </a:t>
+            </a:r>
+            <a:endParaRPr lang="en-CA" dirty="0"/>
+          </a:p>
+        </p:txBody>
+      </p:sp>
+      <p:pic>
+        <p:nvPicPr>
+          <p:cNvPr id="5" name="Content Placeholder 4">
+            <a:extLst>
+              <a:ext uri="{FF2B5EF4-FFF2-40B4-BE49-F238E27FC236}">
+                <a16:creationId xmlns:a16="http://schemas.microsoft.com/office/drawing/2014/main" id="{93230546-7951-1577-5FA8-3E9FBB710819}"/>
+              </a:ext>
+            </a:extLst>
+          </p:cNvPr>
+          <p:cNvPicPr>
+            <a:picLocks noGrp="1" noChangeAspect="1"/>
+          </p:cNvPicPr>
+          <p:nvPr>
+            <p:ph idx="1"/>
+          </p:nvPr>
+        </p:nvPicPr>
+        <p:blipFill>
+          <a:blip r:embed="rId2"/>
+          <a:stretch>
+            <a:fillRect/>
+          </a:stretch>
+        </p:blipFill>
+        <p:spPr>
+          <a:xfrm>
+            <a:off x="1699475" y="4598679"/>
+            <a:ext cx="12496800" cy="1089641"/>
+          </a:xfrm>
+        </p:spPr>
+      </p:pic>
+    </p:spTree>
+    <p:extLst>
+      <p:ext uri="{BB962C8B-B14F-4D97-AF65-F5344CB8AC3E}">
+        <p14:creationId xmlns:p14="http://schemas.microsoft.com/office/powerpoint/2010/main" val="877350238"/>
+      </p:ext>
+    </p:extLst>
+  </p:cSld>
+  <p:clrMapOvr>
+    <a:masterClrMapping/>
+  </p:clrMapOvr>
+</p:sld>
+</file>
+
+<file path=ppt/slides/slide9.xml><?xml version="1.0" encoding="utf-8"?>
+<p:sld xmlns:a="http://schemas.openxmlformats.org/drawingml/2006/main" xmlns:r="http://schemas.openxmlformats.org/officeDocument/2006/relationships" xmlns:p="http://schemas.openxmlformats.org/presentationml/2006/main">
+  <p:cSld>
+    <p:spTree>
+      <p:nvGrpSpPr>
+        <p:cNvPr id="1" name=""/>
+        <p:cNvGrpSpPr/>
+        <p:nvPr/>
+      </p:nvGrpSpPr>
+      <p:grpSpPr>
+        <a:xfrm>
+          <a:off x="0" y="0"/>
+          <a:ext cx="0" cy="0"/>
+          <a:chOff x="0" y="0"/>
+          <a:chExt cx="0" cy="0"/>
+        </a:xfrm>
+      </p:grpSpPr>
+      <p:sp>
+        <p:nvSpPr>
+          <p:cNvPr id="2" name="Title 1">
+            <a:extLst>
+              <a:ext uri="{FF2B5EF4-FFF2-40B4-BE49-F238E27FC236}">
+                <a16:creationId xmlns:a16="http://schemas.microsoft.com/office/drawing/2014/main" id="{24B988ED-381A-D91F-CCBA-EC74065F89D1}"/>
+              </a:ext>
+            </a:extLst>
+          </p:cNvPr>
+          <p:cNvSpPr>
+            <a:spLocks noGrp="1"/>
+          </p:cNvSpPr>
+          <p:nvPr>
+            <p:ph type="title"/>
+          </p:nvPr>
+        </p:nvSpPr>
+        <p:spPr/>
+        <p:txBody>
+          <a:bodyPr/>
+          <a:lstStyle/>
+          <a:p>
+            <a:r>
+              <a:rPr lang="en-CA" dirty="0"/>
+              <a:t>Private Fields</a:t>
+            </a:r>
+            <a:br>
+              <a:rPr lang="en-CA" dirty="0"/>
+            </a:br>
+            <a:r>
+              <a:rPr lang="en-CA" sz="4800" dirty="0"/>
+              <a:t>(should always start with _underscore)</a:t>
+            </a:r>
+            <a:r>
+              <a:rPr lang="en-CA" dirty="0"/>
+              <a:t> </a:t>
+            </a:r>
+          </a:p>
+        </p:txBody>
+      </p:sp>
+      <p:pic>
+        <p:nvPicPr>
+          <p:cNvPr id="5" name="Content Placeholder 4">
+            <a:extLst>
+              <a:ext uri="{FF2B5EF4-FFF2-40B4-BE49-F238E27FC236}">
+                <a16:creationId xmlns:a16="http://schemas.microsoft.com/office/drawing/2014/main" id="{A4BC77E8-4573-AF65-616A-EE079C9BD181}"/>
+              </a:ext>
+            </a:extLst>
+          </p:cNvPr>
+          <p:cNvPicPr>
+            <a:picLocks noGrp="1" noChangeAspect="1"/>
+          </p:cNvPicPr>
+          <p:nvPr>
+            <p:ph idx="1"/>
+          </p:nvPr>
+        </p:nvPicPr>
+        <p:blipFill>
+          <a:blip r:embed="rId2"/>
+          <a:stretch>
+            <a:fillRect/>
+          </a:stretch>
+        </p:blipFill>
+        <p:spPr>
+          <a:xfrm>
+            <a:off x="3124200" y="4762500"/>
+            <a:ext cx="9468143" cy="1404953"/>
+          </a:xfrm>
+        </p:spPr>
+      </p:pic>
+    </p:spTree>
+    <p:extLst>
+      <p:ext uri="{BB962C8B-B14F-4D97-AF65-F5344CB8AC3E}">
+        <p14:creationId xmlns:p14="http://schemas.microsoft.com/office/powerpoint/2010/main" val="4139951437"/>
       </p:ext>
     </p:extLst>
   </p:cSld>
